--- a/TCC/dtcc.pptx
+++ b/TCC/dtcc.pptx
@@ -5,7 +5,7 @@
     <p:sldMasterId id="2147483659" r:id="rId1"/>
   </p:sldMasterIdLst>
   <p:notesMasterIdLst>
-    <p:notesMasterId r:id="rId17"/>
+    <p:notesMasterId r:id="rId19"/>
   </p:notesMasterIdLst>
   <p:sldIdLst>
     <p:sldId id="256" r:id="rId2"/>
@@ -23,22 +23,24 @@
     <p:sldId id="275" r:id="rId14"/>
     <p:sldId id="271" r:id="rId15"/>
     <p:sldId id="273" r:id="rId16"/>
+    <p:sldId id="276" r:id="rId17"/>
+    <p:sldId id="277" r:id="rId18"/>
   </p:sldIdLst>
   <p:sldSz cx="9144000" cy="5143500" type="screen16x9"/>
   <p:notesSz cx="6858000" cy="9144000"/>
   <p:embeddedFontLst>
     <p:embeddedFont>
-      <p:font typeface="Old Standard TT" panose="020B0604020202020204" charset="0"/>
-      <p:regular r:id="rId18"/>
-      <p:bold r:id="rId19"/>
-      <p:italic r:id="rId20"/>
+      <p:font typeface="Lora" panose="020B0604020202020204" charset="0"/>
+      <p:regular r:id="rId20"/>
+      <p:bold r:id="rId21"/>
+      <p:italic r:id="rId22"/>
+      <p:boldItalic r:id="rId23"/>
     </p:embeddedFont>
     <p:embeddedFont>
-      <p:font typeface="Lora" panose="020B0604020202020204" charset="0"/>
-      <p:regular r:id="rId21"/>
-      <p:bold r:id="rId22"/>
-      <p:italic r:id="rId23"/>
-      <p:boldItalic r:id="rId24"/>
+      <p:font typeface="Old Standard TT" panose="020B0604020202020204" charset="0"/>
+      <p:regular r:id="rId24"/>
+      <p:bold r:id="rId25"/>
+      <p:italic r:id="rId26"/>
     </p:embeddedFont>
   </p:embeddedFontLst>
   <p:defaultTextStyle>
@@ -270,6 +272,11 @@
       </a:defRPr>
     </a:lvl9pPr>
   </p:defaultTextStyle>
+  <p:extLst>
+    <p:ext uri="{EFAFB233-063F-42B5-8137-9DF3F51BA10A}">
+      <p15:sldGuideLst xmlns:p15="http://schemas.microsoft.com/office/powerpoint/2012/main"/>
+    </p:ext>
+  </p:extLst>
 </p:presentation>
 </file>
 
@@ -7393,6 +7400,13 @@
   <p:clrMapOvr>
     <a:masterClrMapping/>
   </p:clrMapOvr>
+  <p:timing>
+    <p:tnLst>
+      <p:par>
+        <p:cTn id="1" dur="indefinite" restart="never" nodeType="tmRoot"/>
+      </p:par>
+    </p:tnLst>
+  </p:timing>
 </p:sld>
 </file>
 
@@ -7470,6 +7484,13 @@
   <p:clrMapOvr>
     <a:masterClrMapping/>
   </p:clrMapOvr>
+  <p:timing>
+    <p:tnLst>
+      <p:par>
+        <p:cTn id="1" dur="indefinite" restart="never" nodeType="tmRoot"/>
+      </p:par>
+    </p:tnLst>
+  </p:timing>
 </p:sld>
 </file>
 
@@ -7531,6 +7552,13 @@
   <p:clrMapOvr>
     <a:masterClrMapping/>
   </p:clrMapOvr>
+  <p:timing>
+    <p:tnLst>
+      <p:par>
+        <p:cTn id="1" dur="indefinite" restart="never" nodeType="tmRoot"/>
+      </p:par>
+    </p:tnLst>
+  </p:timing>
 </p:sld>
 </file>
 
@@ -7588,6 +7616,13 @@
   <p:clrMapOvr>
     <a:masterClrMapping/>
   </p:clrMapOvr>
+  <p:timing>
+    <p:tnLst>
+      <p:par>
+        <p:cTn id="1" dur="indefinite" restart="never" nodeType="tmRoot"/>
+      </p:par>
+    </p:tnLst>
+  </p:timing>
 </p:sld>
 </file>
 
@@ -7741,6 +7776,13 @@
   <p:clrMapOvr>
     <a:masterClrMapping/>
   </p:clrMapOvr>
+  <p:timing>
+    <p:tnLst>
+      <p:par>
+        <p:cTn id="1" dur="indefinite" restart="never" nodeType="tmRoot"/>
+      </p:par>
+    </p:tnLst>
+  </p:timing>
 </p:sld>
 </file>
 
@@ -7818,6 +7860,13 @@
   <p:clrMapOvr>
     <a:masterClrMapping/>
   </p:clrMapOvr>
+  <p:timing>
+    <p:tnLst>
+      <p:par>
+        <p:cTn id="1" dur="indefinite" restart="never" nodeType="tmRoot"/>
+      </p:par>
+    </p:tnLst>
+  </p:timing>
 </p:sld>
 </file>
 
@@ -7871,6 +7920,134 @@
   <p:clrMapOvr>
     <a:masterClrMapping/>
   </p:clrMapOvr>
+  <p:timing>
+    <p:tnLst>
+      <p:par>
+        <p:cTn id="1" dur="indefinite" restart="never" nodeType="tmRoot"/>
+      </p:par>
+    </p:tnLst>
+  </p:timing>
+</p:sld>
+</file>
+
+<file path=ppt/slides/slide16.xml><?xml version="1.0" encoding="utf-8"?>
+<p:sld xmlns:a="http://schemas.openxmlformats.org/drawingml/2006/main" xmlns:r="http://schemas.openxmlformats.org/officeDocument/2006/relationships" xmlns:p="http://schemas.openxmlformats.org/presentationml/2006/main">
+  <p:cSld>
+    <p:spTree>
+      <p:nvGrpSpPr>
+        <p:cNvPr id="1" name=""/>
+        <p:cNvGrpSpPr/>
+        <p:nvPr/>
+      </p:nvGrpSpPr>
+      <p:grpSpPr>
+        <a:xfrm>
+          <a:off x="0" y="0"/>
+          <a:ext cx="0" cy="0"/>
+          <a:chOff x="0" y="0"/>
+          <a:chExt cx="0" cy="0"/>
+        </a:xfrm>
+      </p:grpSpPr>
+      <p:sp>
+        <p:nvSpPr>
+          <p:cNvPr id="2" name="Título 1"/>
+          <p:cNvSpPr>
+            <a:spLocks noGrp="1"/>
+          </p:cNvSpPr>
+          <p:nvPr>
+            <p:ph type="title"/>
+          </p:nvPr>
+        </p:nvSpPr>
+        <p:spPr/>
+        <p:txBody>
+          <a:bodyPr/>
+          <a:lstStyle/>
+          <a:p>
+            <a:r>
+              <a:rPr lang="pt-BR" dirty="0" smtClean="0"/>
+              <a:t>Banner</a:t>
+            </a:r>
+            <a:endParaRPr lang="pt-BR" dirty="0"/>
+          </a:p>
+        </p:txBody>
+      </p:sp>
+    </p:spTree>
+    <p:extLst>
+      <p:ext uri="{BB962C8B-B14F-4D97-AF65-F5344CB8AC3E}">
+        <p14:creationId xmlns:p14="http://schemas.microsoft.com/office/powerpoint/2010/main" val="3667468733"/>
+      </p:ext>
+    </p:extLst>
+  </p:cSld>
+  <p:clrMapOvr>
+    <a:masterClrMapping/>
+  </p:clrMapOvr>
+  <p:timing>
+    <p:tnLst>
+      <p:par>
+        <p:cTn id="1" dur="indefinite" restart="never" nodeType="tmRoot"/>
+      </p:par>
+    </p:tnLst>
+  </p:timing>
+</p:sld>
+</file>
+
+<file path=ppt/slides/slide17.xml><?xml version="1.0" encoding="utf-8"?>
+<p:sld xmlns:a="http://schemas.openxmlformats.org/drawingml/2006/main" xmlns:r="http://schemas.openxmlformats.org/officeDocument/2006/relationships" xmlns:p="http://schemas.openxmlformats.org/presentationml/2006/main">
+  <p:cSld>
+    <p:spTree>
+      <p:nvGrpSpPr>
+        <p:cNvPr id="1" name=""/>
+        <p:cNvGrpSpPr/>
+        <p:nvPr/>
+      </p:nvGrpSpPr>
+      <p:grpSpPr>
+        <a:xfrm>
+          <a:off x="0" y="0"/>
+          <a:ext cx="0" cy="0"/>
+          <a:chOff x="0" y="0"/>
+          <a:chExt cx="0" cy="0"/>
+        </a:xfrm>
+      </p:grpSpPr>
+      <p:pic>
+        <p:nvPicPr>
+          <p:cNvPr id="4" name="Imagem 3"/>
+          <p:cNvPicPr>
+            <a:picLocks noChangeAspect="1"/>
+          </p:cNvPicPr>
+          <p:nvPr/>
+        </p:nvPicPr>
+        <p:blipFill>
+          <a:blip r:embed="rId2"/>
+          <a:stretch>
+            <a:fillRect/>
+          </a:stretch>
+        </p:blipFill>
+        <p:spPr>
+          <a:xfrm>
+            <a:off x="2895600" y="196663"/>
+            <a:ext cx="3614736" cy="4761779"/>
+          </a:xfrm>
+          <a:prstGeom prst="rect">
+            <a:avLst/>
+          </a:prstGeom>
+        </p:spPr>
+      </p:pic>
+    </p:spTree>
+    <p:extLst>
+      <p:ext uri="{BB962C8B-B14F-4D97-AF65-F5344CB8AC3E}">
+        <p14:creationId xmlns:p14="http://schemas.microsoft.com/office/powerpoint/2010/main" val="3946104232"/>
+      </p:ext>
+    </p:extLst>
+  </p:cSld>
+  <p:clrMapOvr>
+    <a:masterClrMapping/>
+  </p:clrMapOvr>
+  <p:timing>
+    <p:tnLst>
+      <p:par>
+        <p:cTn id="1" dur="indefinite" restart="never" nodeType="tmRoot"/>
+      </p:par>
+    </p:tnLst>
+  </p:timing>
 </p:sld>
 </file>
 
@@ -8104,6 +8281,13 @@
   <p:clrMapOvr>
     <a:masterClrMapping/>
   </p:clrMapOvr>
+  <p:timing>
+    <p:tnLst>
+      <p:par>
+        <p:cTn id="1" dur="indefinite" restart="never" nodeType="tmRoot"/>
+      </p:par>
+    </p:tnLst>
+  </p:timing>
 </p:sld>
 </file>
 
@@ -8606,6 +8790,13 @@
   <p:clrMapOvr>
     <a:masterClrMapping/>
   </p:clrMapOvr>
+  <p:timing>
+    <p:tnLst>
+      <p:par>
+        <p:cTn id="1" dur="indefinite" restart="never" nodeType="tmRoot"/>
+      </p:par>
+    </p:tnLst>
+  </p:timing>
 </p:sld>
 </file>
 
@@ -8701,6 +8892,13 @@
   <p:clrMapOvr>
     <a:masterClrMapping/>
   </p:clrMapOvr>
+  <p:timing>
+    <p:tnLst>
+      <p:par>
+        <p:cTn id="1" dur="indefinite" restart="never" nodeType="tmRoot"/>
+      </p:par>
+    </p:tnLst>
+  </p:timing>
 </p:sld>
 </file>
 
@@ -8824,6 +9022,13 @@
   <p:clrMapOvr>
     <a:masterClrMapping/>
   </p:clrMapOvr>
+  <p:timing>
+    <p:tnLst>
+      <p:par>
+        <p:cTn id="1" dur="indefinite" restart="never" nodeType="tmRoot"/>
+      </p:par>
+    </p:tnLst>
+  </p:timing>
 </p:sld>
 </file>
 
@@ -9048,6 +9253,13 @@
   <p:clrMapOvr>
     <a:masterClrMapping/>
   </p:clrMapOvr>
+  <p:timing>
+    <p:tnLst>
+      <p:par>
+        <p:cTn id="1" dur="indefinite" restart="never" nodeType="tmRoot"/>
+      </p:par>
+    </p:tnLst>
+  </p:timing>
 </p:sld>
 </file>
 
@@ -9115,6 +9327,13 @@
   <p:clrMapOvr>
     <a:masterClrMapping/>
   </p:clrMapOvr>
+  <p:timing>
+    <p:tnLst>
+      <p:par>
+        <p:cTn id="1" dur="indefinite" restart="never" nodeType="tmRoot"/>
+      </p:par>
+    </p:tnLst>
+  </p:timing>
 </p:sld>
 </file>
 
@@ -9252,6 +9471,13 @@
   <p:clrMapOvr>
     <a:masterClrMapping/>
   </p:clrMapOvr>
+  <p:timing>
+    <p:tnLst>
+      <p:par>
+        <p:cTn id="1" dur="indefinite" restart="never" nodeType="tmRoot"/>
+      </p:par>
+    </p:tnLst>
+  </p:timing>
 </p:sld>
 </file>
 
@@ -9333,6 +9559,13 @@
   <p:clrMapOvr>
     <a:masterClrMapping/>
   </p:clrMapOvr>
+  <p:timing>
+    <p:tnLst>
+      <p:par>
+        <p:cTn id="1" dur="indefinite" restart="never" nodeType="tmRoot"/>
+      </p:par>
+    </p:tnLst>
+  </p:timing>
 </p:sld>
 </file>
 
